--- a/Architecture.pptx
+++ b/Architecture.pptx
@@ -7,6 +7,8 @@
   <p:sldIdLst>
     <p:sldId id="256" r:id="rId2"/>
     <p:sldId id="257" r:id="rId3"/>
+    <p:sldId id="258" r:id="rId4"/>
+    <p:sldId id="259" r:id="rId5"/>
   </p:sldIdLst>
   <p:sldSz cx="12192000" cy="6858000"/>
   <p:notesSz cx="6858000" cy="9144000"/>
@@ -105,7 +107,38 @@
       </a:defRPr>
     </a:lvl9pPr>
   </p:defaultTextStyle>
+  <p:extLst>
+    <p:ext uri="{EFAFB233-063F-42B5-8137-9DF3F51BA10A}">
+      <p15:sldGuideLst xmlns:p15="http://schemas.microsoft.com/office/powerpoint/2012/main"/>
+    </p:ext>
+  </p:extLst>
 </p:presentation>
+</file>
+
+<file path=ppt/commentAuthors.xml><?xml version="1.0" encoding="utf-8"?>
+<p:cmAuthorLst xmlns:a="http://schemas.openxmlformats.org/drawingml/2006/main" xmlns:r="http://schemas.openxmlformats.org/officeDocument/2006/relationships" xmlns:p="http://schemas.openxmlformats.org/presentationml/2006/main">
+  <p:cmAuthor id="1" name="Rodriguez, Cesar" initials="RC" lastIdx="1" clrIdx="0">
+    <p:extLst>
+      <p:ext uri="{19B8F6BF-5375-455C-9EA6-DF929625EA0E}">
+        <p15:presenceInfo xmlns:p15="http://schemas.microsoft.com/office/powerpoint/2012/main" userId="S::cesrodriguez@deloitte.com::abd8db0c-ccc7-4635-b453-70eb5eb82248" providerId="AD"/>
+      </p:ext>
+    </p:extLst>
+  </p:cmAuthor>
+</p:cmAuthorLst>
+</file>
+
+<file path=ppt/comments/comment1.xml><?xml version="1.0" encoding="utf-8"?>
+<p:cmLst xmlns:a="http://schemas.openxmlformats.org/drawingml/2006/main" xmlns:r="http://schemas.openxmlformats.org/officeDocument/2006/relationships" xmlns:p="http://schemas.openxmlformats.org/presentationml/2006/main">
+  <p:cm authorId="1" dt="2020-04-23T18:04:13.418" idx="1">
+    <p:pos x="5391" y="1073"/>
+    <p:text/>
+    <p:extLst>
+      <p:ext uri="{C676402C-5697-4E1C-873F-D02D1690AC5C}">
+        <p15:threadingInfo xmlns:p15="http://schemas.microsoft.com/office/powerpoint/2012/main" timeZoneBias="240"/>
+      </p:ext>
+    </p:extLst>
+  </p:cm>
+</p:cmLst>
 </file>
 
 <file path=ppt/slideLayouts/slideLayout1.xml><?xml version="1.0" encoding="utf-8"?>
@@ -255,7 +288,7 @@
           <a:p>
             <a:fld id="{9702600F-0A3B-40B0-A70E-A76C0DDB9B1E}" type="datetimeFigureOut">
               <a:rPr lang="en-US" smtClean="0"/>
-              <a:t>4/14/2020</a:t>
+              <a:t>4/27/2020</a:t>
             </a:fld>
             <a:endParaRPr lang="en-US"/>
           </a:p>
@@ -453,7 +486,7 @@
           <a:p>
             <a:fld id="{9702600F-0A3B-40B0-A70E-A76C0DDB9B1E}" type="datetimeFigureOut">
               <a:rPr lang="en-US" smtClean="0"/>
-              <a:t>4/14/2020</a:t>
+              <a:t>4/27/2020</a:t>
             </a:fld>
             <a:endParaRPr lang="en-US"/>
           </a:p>
@@ -661,7 +694,7 @@
           <a:p>
             <a:fld id="{9702600F-0A3B-40B0-A70E-A76C0DDB9B1E}" type="datetimeFigureOut">
               <a:rPr lang="en-US" smtClean="0"/>
-              <a:t>4/14/2020</a:t>
+              <a:t>4/27/2020</a:t>
             </a:fld>
             <a:endParaRPr lang="en-US"/>
           </a:p>
@@ -859,7 +892,7 @@
           <a:p>
             <a:fld id="{9702600F-0A3B-40B0-A70E-A76C0DDB9B1E}" type="datetimeFigureOut">
               <a:rPr lang="en-US" smtClean="0"/>
-              <a:t>4/14/2020</a:t>
+              <a:t>4/27/2020</a:t>
             </a:fld>
             <a:endParaRPr lang="en-US"/>
           </a:p>
@@ -1134,7 +1167,7 @@
           <a:p>
             <a:fld id="{9702600F-0A3B-40B0-A70E-A76C0DDB9B1E}" type="datetimeFigureOut">
               <a:rPr lang="en-US" smtClean="0"/>
-              <a:t>4/14/2020</a:t>
+              <a:t>4/27/2020</a:t>
             </a:fld>
             <a:endParaRPr lang="en-US"/>
           </a:p>
@@ -1399,7 +1432,7 @@
           <a:p>
             <a:fld id="{9702600F-0A3B-40B0-A70E-A76C0DDB9B1E}" type="datetimeFigureOut">
               <a:rPr lang="en-US" smtClean="0"/>
-              <a:t>4/14/2020</a:t>
+              <a:t>4/27/2020</a:t>
             </a:fld>
             <a:endParaRPr lang="en-US"/>
           </a:p>
@@ -1811,7 +1844,7 @@
           <a:p>
             <a:fld id="{9702600F-0A3B-40B0-A70E-A76C0DDB9B1E}" type="datetimeFigureOut">
               <a:rPr lang="en-US" smtClean="0"/>
-              <a:t>4/14/2020</a:t>
+              <a:t>4/27/2020</a:t>
             </a:fld>
             <a:endParaRPr lang="en-US"/>
           </a:p>
@@ -1952,7 +1985,7 @@
           <a:p>
             <a:fld id="{9702600F-0A3B-40B0-A70E-A76C0DDB9B1E}" type="datetimeFigureOut">
               <a:rPr lang="en-US" smtClean="0"/>
-              <a:t>4/14/2020</a:t>
+              <a:t>4/27/2020</a:t>
             </a:fld>
             <a:endParaRPr lang="en-US"/>
           </a:p>
@@ -2065,7 +2098,7 @@
           <a:p>
             <a:fld id="{9702600F-0A3B-40B0-A70E-A76C0DDB9B1E}" type="datetimeFigureOut">
               <a:rPr lang="en-US" smtClean="0"/>
-              <a:t>4/14/2020</a:t>
+              <a:t>4/27/2020</a:t>
             </a:fld>
             <a:endParaRPr lang="en-US"/>
           </a:p>
@@ -2376,7 +2409,7 @@
           <a:p>
             <a:fld id="{9702600F-0A3B-40B0-A70E-A76C0DDB9B1E}" type="datetimeFigureOut">
               <a:rPr lang="en-US" smtClean="0"/>
-              <a:t>4/14/2020</a:t>
+              <a:t>4/27/2020</a:t>
             </a:fld>
             <a:endParaRPr lang="en-US"/>
           </a:p>
@@ -2664,7 +2697,7 @@
           <a:p>
             <a:fld id="{9702600F-0A3B-40B0-A70E-A76C0DDB9B1E}" type="datetimeFigureOut">
               <a:rPr lang="en-US" smtClean="0"/>
-              <a:t>4/14/2020</a:t>
+              <a:t>4/27/2020</a:t>
             </a:fld>
             <a:endParaRPr lang="en-US"/>
           </a:p>
@@ -2905,7 +2938,7 @@
           <a:p>
             <a:fld id="{9702600F-0A3B-40B0-A70E-A76C0DDB9B1E}" type="datetimeFigureOut">
               <a:rPr lang="en-US" smtClean="0"/>
-              <a:t>4/14/2020</a:t>
+              <a:t>4/27/2020</a:t>
             </a:fld>
             <a:endParaRPr lang="en-US"/>
           </a:p>
@@ -3398,10 +3431,9 @@
           </a:p>
           <a:p>
             <a:r>
-              <a:rPr lang="en-US" dirty="0" err="1"/>
-              <a:t>Secuirity</a:t>
-            </a:r>
-            <a:endParaRPr lang="en-US" dirty="0"/>
+              <a:rPr lang="en-US" dirty="0"/>
+              <a:t>Security</a:t>
+            </a:r>
           </a:p>
         </p:txBody>
       </p:sp>
@@ -3482,13 +3514,13 @@
         <p:spPr/>
         <p:style>
           <a:lnRef idx="2">
-            <a:schemeClr val="dk1"/>
+            <a:schemeClr val="accent1"/>
           </a:lnRef>
           <a:fillRef idx="1">
             <a:schemeClr val="lt1"/>
           </a:fillRef>
           <a:effectRef idx="0">
-            <a:schemeClr val="dk1"/>
+            <a:schemeClr val="accent1"/>
           </a:effectRef>
           <a:fontRef idx="minor">
             <a:schemeClr val="dk1"/>
@@ -3621,7 +3653,7 @@
         </p:nvSpPr>
         <p:spPr>
           <a:xfrm>
-            <a:off x="7719580" y="3982099"/>
+            <a:off x="5496790" y="4249374"/>
             <a:ext cx="1797627" cy="696191"/>
           </a:xfrm>
           <a:prstGeom prst="rect">
@@ -3670,7 +3702,7 @@
         </p:nvSpPr>
         <p:spPr>
           <a:xfrm>
-            <a:off x="5499389" y="3993283"/>
+            <a:off x="8638311" y="2019842"/>
             <a:ext cx="2029691" cy="696191"/>
           </a:xfrm>
           <a:prstGeom prst="rect">
@@ -3812,13 +3844,15 @@
               </a:ext>
             </a:extLst>
           </p:cNvPr>
-          <p:cNvCxnSpPr/>
+          <p:cNvCxnSpPr>
+            <a:cxnSpLocks/>
+          </p:cNvCxnSpPr>
           <p:nvPr/>
         </p:nvCxnSpPr>
         <p:spPr>
           <a:xfrm>
-            <a:off x="2296391" y="2899064"/>
-            <a:ext cx="1974273" cy="114444"/>
+            <a:off x="5957456" y="3871733"/>
+            <a:ext cx="0" cy="377641"/>
           </a:xfrm>
           <a:prstGeom prst="straightConnector1">
             <a:avLst/>
@@ -3852,14 +3886,14 @@
             </a:extLst>
           </p:cNvPr>
           <p:cNvCxnSpPr>
-            <a:endCxn id="9" idx="1"/>
+            <a:cxnSpLocks/>
           </p:cNvCxnSpPr>
           <p:nvPr/>
         </p:nvCxnSpPr>
         <p:spPr>
-          <a:xfrm flipV="1">
-            <a:off x="2818534" y="4341379"/>
-            <a:ext cx="2680855" cy="15585"/>
+          <a:xfrm>
+            <a:off x="5363441" y="2722239"/>
+            <a:ext cx="0" cy="428048"/>
           </a:xfrm>
           <a:prstGeom prst="straightConnector1">
             <a:avLst/>
@@ -3885,22 +3919,23 @@
       </p:cxnSp>
       <p:cxnSp>
         <p:nvCxnSpPr>
-          <p:cNvPr id="23" name="Straight Arrow Connector 22">
-            <a:extLst>
-              <a:ext uri="{FF2B5EF4-FFF2-40B4-BE49-F238E27FC236}">
-                <a16:creationId xmlns:a16="http://schemas.microsoft.com/office/drawing/2014/main" id="{6EE19DD6-09F8-4EB2-812B-E2B94703FB2F}"/>
+          <p:cNvPr id="25" name="Straight Arrow Connector 24">
+            <a:extLst>
+              <a:ext uri="{FF2B5EF4-FFF2-40B4-BE49-F238E27FC236}">
+                <a16:creationId xmlns:a16="http://schemas.microsoft.com/office/drawing/2014/main" id="{17F6C96E-BA9B-4390-B9F1-94665ECD60D7}"/>
               </a:ext>
             </a:extLst>
           </p:cNvPr>
           <p:cNvCxnSpPr>
-            <a:endCxn id="10" idx="1"/>
+            <a:cxnSpLocks/>
+            <a:endCxn id="10" idx="0"/>
           </p:cNvCxnSpPr>
           <p:nvPr/>
         </p:nvCxnSpPr>
         <p:spPr>
-          <a:xfrm>
-            <a:off x="464993" y="3458947"/>
-            <a:ext cx="2930237" cy="909204"/>
+          <a:xfrm flipH="1">
+            <a:off x="4345998" y="3721932"/>
+            <a:ext cx="284884" cy="355273"/>
           </a:xfrm>
           <a:prstGeom prst="straightConnector1">
             <a:avLst/>
@@ -3926,47 +3961,6 @@
       </p:cxnSp>
       <p:cxnSp>
         <p:nvCxnSpPr>
-          <p:cNvPr id="25" name="Straight Arrow Connector 24">
-            <a:extLst>
-              <a:ext uri="{FF2B5EF4-FFF2-40B4-BE49-F238E27FC236}">
-                <a16:creationId xmlns:a16="http://schemas.microsoft.com/office/drawing/2014/main" id="{17F6C96E-BA9B-4390-B9F1-94665ECD60D7}"/>
-              </a:ext>
-            </a:extLst>
-          </p:cNvPr>
-          <p:cNvCxnSpPr>
-            <a:endCxn id="11" idx="1"/>
-          </p:cNvCxnSpPr>
-          <p:nvPr/>
-        </p:nvCxnSpPr>
-        <p:spPr>
-          <a:xfrm>
-            <a:off x="-2280805" y="2424257"/>
-            <a:ext cx="3411682" cy="1917122"/>
-          </a:xfrm>
-          <a:prstGeom prst="straightConnector1">
-            <a:avLst/>
-          </a:prstGeom>
-          <a:ln>
-            <a:tailEnd type="triangle"/>
-          </a:ln>
-        </p:spPr>
-        <p:style>
-          <a:lnRef idx="1">
-            <a:schemeClr val="accent1"/>
-          </a:lnRef>
-          <a:fillRef idx="0">
-            <a:schemeClr val="accent1"/>
-          </a:fillRef>
-          <a:effectRef idx="0">
-            <a:schemeClr val="accent1"/>
-          </a:effectRef>
-          <a:fontRef idx="minor">
-            <a:schemeClr val="tx1"/>
-          </a:fontRef>
-        </p:style>
-      </p:cxnSp>
-      <p:cxnSp>
-        <p:nvCxnSpPr>
           <p:cNvPr id="27" name="Straight Arrow Connector 26">
             <a:extLst>
               <a:ext uri="{FF2B5EF4-FFF2-40B4-BE49-F238E27FC236}">
@@ -3979,7 +3973,7 @@
         </p:nvCxnSpPr>
         <p:spPr>
           <a:xfrm flipV="1">
-            <a:off x="6234545" y="2358736"/>
+            <a:off x="6191250" y="2627058"/>
             <a:ext cx="2483428" cy="820883"/>
           </a:xfrm>
           <a:prstGeom prst="straightConnector1">
@@ -4018,7 +4012,7 @@
         </p:nvSpPr>
         <p:spPr>
           <a:xfrm>
-            <a:off x="4408776" y="5277354"/>
+            <a:off x="4336473" y="5494321"/>
             <a:ext cx="2854469" cy="475817"/>
           </a:xfrm>
           <a:prstGeom prst="flowChartMagneticDisk">
@@ -4053,10 +4047,1256 @@
           </a:p>
         </p:txBody>
       </p:sp>
+      <p:cxnSp>
+        <p:nvCxnSpPr>
+          <p:cNvPr id="12" name="Straight Arrow Connector 11">
+            <a:extLst>
+              <a:ext uri="{FF2B5EF4-FFF2-40B4-BE49-F238E27FC236}">
+                <a16:creationId xmlns:a16="http://schemas.microsoft.com/office/drawing/2014/main" id="{BD02208E-EC2F-4772-92D8-F089F307118A}"/>
+              </a:ext>
+            </a:extLst>
+          </p:cNvPr>
+          <p:cNvCxnSpPr>
+            <a:cxnSpLocks/>
+            <a:stCxn id="6" idx="1"/>
+          </p:cNvCxnSpPr>
+          <p:nvPr/>
+        </p:nvCxnSpPr>
+        <p:spPr>
+          <a:xfrm flipH="1">
+            <a:off x="2305050" y="3470564"/>
+            <a:ext cx="2381250" cy="511535"/>
+          </a:xfrm>
+          <a:prstGeom prst="straightConnector1">
+            <a:avLst/>
+          </a:prstGeom>
+          <a:ln>
+            <a:tailEnd type="triangle"/>
+          </a:ln>
+        </p:spPr>
+        <p:style>
+          <a:lnRef idx="1">
+            <a:schemeClr val="accent1"/>
+          </a:lnRef>
+          <a:fillRef idx="0">
+            <a:schemeClr val="accent1"/>
+          </a:fillRef>
+          <a:effectRef idx="0">
+            <a:schemeClr val="accent1"/>
+          </a:effectRef>
+          <a:fontRef idx="minor">
+            <a:schemeClr val="tx1"/>
+          </a:fontRef>
+        </p:style>
+      </p:cxnSp>
+      <p:sp>
+        <p:nvSpPr>
+          <p:cNvPr id="19" name="Rectangle 1">
+            <a:extLst>
+              <a:ext uri="{FF2B5EF4-FFF2-40B4-BE49-F238E27FC236}">
+                <a16:creationId xmlns:a16="http://schemas.microsoft.com/office/drawing/2014/main" id="{5C84FE6F-34EB-4F5F-834E-5428824C1FF8}"/>
+              </a:ext>
+            </a:extLst>
+          </p:cNvPr>
+          <p:cNvSpPr>
+            <a:spLocks noChangeArrowheads="1"/>
+          </p:cNvSpPr>
+          <p:nvPr/>
+        </p:nvSpPr>
+        <p:spPr bwMode="auto">
+          <a:xfrm>
+            <a:off x="0" y="0"/>
+            <a:ext cx="12192000" cy="457200"/>
+          </a:xfrm>
+          <a:prstGeom prst="rect">
+            <a:avLst/>
+          </a:prstGeom>
+          <a:noFill/>
+          <a:ln>
+            <a:noFill/>
+          </a:ln>
+          <a:effectLst/>
+          <a:extLst>
+            <a:ext uri="{909E8E84-426E-40DD-AFC4-6F175D3DCCD1}">
+              <a14:hiddenFill xmlns:a14="http://schemas.microsoft.com/office/drawing/2010/main">
+                <a:solidFill>
+                  <a:schemeClr val="accent1"/>
+                </a:solidFill>
+              </a14:hiddenFill>
+            </a:ext>
+            <a:ext uri="{91240B29-F687-4F45-9708-019B960494DF}">
+              <a14:hiddenLine xmlns:a14="http://schemas.microsoft.com/office/drawing/2010/main" w="9525">
+                <a:solidFill>
+                  <a:schemeClr val="tx1"/>
+                </a:solidFill>
+                <a:miter lim="800000"/>
+                <a:headEnd/>
+                <a:tailEnd/>
+              </a14:hiddenLine>
+            </a:ext>
+            <a:ext uri="{AF507438-7753-43E0-B8FC-AC1667EBCBE1}">
+              <a14:hiddenEffects xmlns:a14="http://schemas.microsoft.com/office/drawing/2010/main">
+                <a:effectLst>
+                  <a:outerShdw dist="35921" dir="2700000" algn="ctr" rotWithShape="0">
+                    <a:schemeClr val="bg2"/>
+                  </a:outerShdw>
+                </a:effectLst>
+              </a14:hiddenEffects>
+            </a:ext>
+          </a:extLst>
+        </p:spPr>
+        <p:txBody>
+          <a:bodyPr vert="horz" wrap="none" lIns="0" tIns="0" rIns="0" bIns="0" numCol="1" anchor="ctr" anchorCtr="0" compatLnSpc="1">
+            <a:prstTxWarp prst="textNoShape">
+              <a:avLst/>
+            </a:prstTxWarp>
+            <a:spAutoFit/>
+          </a:bodyPr>
+          <a:lstStyle/>
+          <a:p>
+            <a:pPr marL="0" marR="0" lvl="0" indent="0" algn="l" defTabSz="914400" rtl="0" eaLnBrk="0" fontAlgn="base" latinLnBrk="0" hangingPunct="0">
+              <a:lnSpc>
+                <a:spcPct val="100000"/>
+              </a:lnSpc>
+              <a:spcBef>
+                <a:spcPct val="0"/>
+              </a:spcBef>
+              <a:spcAft>
+                <a:spcPct val="0"/>
+              </a:spcAft>
+              <a:buClrTx/>
+              <a:buSzTx/>
+              <a:buFontTx/>
+              <a:buNone/>
+              <a:tabLst/>
+            </a:pPr>
+            <a:r>
+              <a:rPr kumimoji="0" lang="en-US" altLang="en-US" sz="900" b="0" i="0" u="none" strike="noStrike" cap="none" normalizeH="0" baseline="0">
+                <a:ln>
+                  <a:noFill/>
+                </a:ln>
+                <a:solidFill>
+                  <a:srgbClr val="242729"/>
+                </a:solidFill>
+                <a:effectLst/>
+                <a:latin typeface="inherit"/>
+              </a:rPr>
+              <a:t>localhost\\SQLExpress</a:t>
+            </a:r>
+            <a:r>
+              <a:rPr kumimoji="0" lang="en-US" altLang="en-US" sz="800" b="0" i="0" u="none" strike="noStrike" cap="none" normalizeH="0" baseline="0">
+                <a:ln>
+                  <a:noFill/>
+                </a:ln>
+                <a:solidFill>
+                  <a:schemeClr val="tx1"/>
+                </a:solidFill>
+                <a:effectLst/>
+              </a:rPr>
+              <a:t> </a:t>
+            </a:r>
+            <a:endParaRPr kumimoji="0" lang="en-US" altLang="en-US" sz="1800" b="0" i="0" u="none" strike="noStrike" cap="none" normalizeH="0" baseline="0">
+              <a:ln>
+                <a:noFill/>
+              </a:ln>
+              <a:solidFill>
+                <a:schemeClr val="tx1"/>
+              </a:solidFill>
+              <a:effectLst/>
+              <a:latin typeface="Arial" panose="020B0604020202020204" pitchFamily="34" charset="0"/>
+            </a:endParaRPr>
+          </a:p>
+        </p:txBody>
+      </p:sp>
+      <p:sp>
+        <p:nvSpPr>
+          <p:cNvPr id="22" name="Rectangle 21">
+            <a:extLst>
+              <a:ext uri="{FF2B5EF4-FFF2-40B4-BE49-F238E27FC236}">
+                <a16:creationId xmlns:a16="http://schemas.microsoft.com/office/drawing/2014/main" id="{BAD700B5-DD19-40ED-92AD-B32FD4F82136}"/>
+              </a:ext>
+            </a:extLst>
+          </p:cNvPr>
+          <p:cNvSpPr/>
+          <p:nvPr/>
+        </p:nvSpPr>
+        <p:spPr>
+          <a:xfrm>
+            <a:off x="7655505" y="4249374"/>
+            <a:ext cx="1381986" cy="696190"/>
+          </a:xfrm>
+          <a:prstGeom prst="rect">
+            <a:avLst/>
+          </a:prstGeom>
+        </p:spPr>
+        <p:style>
+          <a:lnRef idx="2">
+            <a:schemeClr val="accent1">
+              <a:shade val="50000"/>
+            </a:schemeClr>
+          </a:lnRef>
+          <a:fillRef idx="1">
+            <a:schemeClr val="accent1"/>
+          </a:fillRef>
+          <a:effectRef idx="0">
+            <a:schemeClr val="accent1"/>
+          </a:effectRef>
+          <a:fontRef idx="minor">
+            <a:schemeClr val="lt1"/>
+          </a:fontRef>
+        </p:style>
+        <p:txBody>
+          <a:bodyPr rtlCol="0" anchor="ctr"/>
+          <a:lstStyle/>
+          <a:p>
+            <a:pPr algn="ctr"/>
+            <a:r>
+              <a:rPr lang="en-US" dirty="0"/>
+              <a:t>Order Service</a:t>
+            </a:r>
+          </a:p>
+        </p:txBody>
+      </p:sp>
+      <p:cxnSp>
+        <p:nvCxnSpPr>
+          <p:cNvPr id="29" name="Straight Arrow Connector 28">
+            <a:extLst>
+              <a:ext uri="{FF2B5EF4-FFF2-40B4-BE49-F238E27FC236}">
+                <a16:creationId xmlns:a16="http://schemas.microsoft.com/office/drawing/2014/main" id="{6BF4351A-1D63-4C4F-8462-907A852FA440}"/>
+              </a:ext>
+            </a:extLst>
+          </p:cNvPr>
+          <p:cNvCxnSpPr>
+            <a:cxnSpLocks/>
+          </p:cNvCxnSpPr>
+          <p:nvPr/>
+        </p:nvCxnSpPr>
+        <p:spPr>
+          <a:xfrm flipH="1">
+            <a:off x="6234545" y="2297904"/>
+            <a:ext cx="2381250" cy="852460"/>
+          </a:xfrm>
+          <a:prstGeom prst="straightConnector1">
+            <a:avLst/>
+          </a:prstGeom>
+          <a:ln>
+            <a:tailEnd type="triangle"/>
+          </a:ln>
+        </p:spPr>
+        <p:style>
+          <a:lnRef idx="1">
+            <a:schemeClr val="accent1"/>
+          </a:lnRef>
+          <a:fillRef idx="0">
+            <a:schemeClr val="accent1"/>
+          </a:fillRef>
+          <a:effectRef idx="0">
+            <a:schemeClr val="accent1"/>
+          </a:effectRef>
+          <a:fontRef idx="minor">
+            <a:schemeClr val="tx1"/>
+          </a:fontRef>
+        </p:style>
+      </p:cxnSp>
+      <p:cxnSp>
+        <p:nvCxnSpPr>
+          <p:cNvPr id="34" name="Straight Arrow Connector 33">
+            <a:extLst>
+              <a:ext uri="{FF2B5EF4-FFF2-40B4-BE49-F238E27FC236}">
+                <a16:creationId xmlns:a16="http://schemas.microsoft.com/office/drawing/2014/main" id="{56B01316-85CE-4639-9D7B-A65561A8439D}"/>
+              </a:ext>
+            </a:extLst>
+          </p:cNvPr>
+          <p:cNvCxnSpPr/>
+          <p:nvPr/>
+        </p:nvCxnSpPr>
+        <p:spPr>
+          <a:xfrm>
+            <a:off x="6234545" y="3597965"/>
+            <a:ext cx="1766455" cy="651409"/>
+          </a:xfrm>
+          <a:prstGeom prst="straightConnector1">
+            <a:avLst/>
+          </a:prstGeom>
+          <a:ln>
+            <a:tailEnd type="triangle"/>
+          </a:ln>
+        </p:spPr>
+        <p:style>
+          <a:lnRef idx="1">
+            <a:schemeClr val="accent1"/>
+          </a:lnRef>
+          <a:fillRef idx="0">
+            <a:schemeClr val="accent1"/>
+          </a:fillRef>
+          <a:effectRef idx="0">
+            <a:schemeClr val="accent1"/>
+          </a:effectRef>
+          <a:fontRef idx="minor">
+            <a:schemeClr val="tx1"/>
+          </a:fontRef>
+        </p:style>
+      </p:cxnSp>
+      <p:cxnSp>
+        <p:nvCxnSpPr>
+          <p:cNvPr id="36" name="Straight Arrow Connector 35">
+            <a:extLst>
+              <a:ext uri="{FF2B5EF4-FFF2-40B4-BE49-F238E27FC236}">
+                <a16:creationId xmlns:a16="http://schemas.microsoft.com/office/drawing/2014/main" id="{9685E987-F8DB-43E7-A53E-5C5D18D9CB4E}"/>
+              </a:ext>
+            </a:extLst>
+          </p:cNvPr>
+          <p:cNvCxnSpPr/>
+          <p:nvPr/>
+        </p:nvCxnSpPr>
+        <p:spPr>
+          <a:xfrm>
+            <a:off x="1708872" y="4739589"/>
+            <a:ext cx="2702070" cy="1135609"/>
+          </a:xfrm>
+          <a:prstGeom prst="straightConnector1">
+            <a:avLst/>
+          </a:prstGeom>
+          <a:ln>
+            <a:tailEnd type="triangle"/>
+          </a:ln>
+        </p:spPr>
+        <p:style>
+          <a:lnRef idx="1">
+            <a:schemeClr val="accent1"/>
+          </a:lnRef>
+          <a:fillRef idx="0">
+            <a:schemeClr val="accent1"/>
+          </a:fillRef>
+          <a:effectRef idx="0">
+            <a:schemeClr val="accent1"/>
+          </a:effectRef>
+          <a:fontRef idx="minor">
+            <a:schemeClr val="tx1"/>
+          </a:fontRef>
+        </p:style>
+      </p:cxnSp>
+      <p:cxnSp>
+        <p:nvCxnSpPr>
+          <p:cNvPr id="38" name="Straight Arrow Connector 37">
+            <a:extLst>
+              <a:ext uri="{FF2B5EF4-FFF2-40B4-BE49-F238E27FC236}">
+                <a16:creationId xmlns:a16="http://schemas.microsoft.com/office/drawing/2014/main" id="{1F6FBFAE-1017-4BE6-A75C-81CDEF5A9442}"/>
+              </a:ext>
+            </a:extLst>
+          </p:cNvPr>
+          <p:cNvCxnSpPr/>
+          <p:nvPr/>
+        </p:nvCxnSpPr>
+        <p:spPr>
+          <a:xfrm>
+            <a:off x="4104861" y="4739589"/>
+            <a:ext cx="755374" cy="754732"/>
+          </a:xfrm>
+          <a:prstGeom prst="straightConnector1">
+            <a:avLst/>
+          </a:prstGeom>
+          <a:ln>
+            <a:tailEnd type="triangle"/>
+          </a:ln>
+        </p:spPr>
+        <p:style>
+          <a:lnRef idx="1">
+            <a:schemeClr val="accent1"/>
+          </a:lnRef>
+          <a:fillRef idx="0">
+            <a:schemeClr val="accent1"/>
+          </a:fillRef>
+          <a:effectRef idx="0">
+            <a:schemeClr val="accent1"/>
+          </a:effectRef>
+          <a:fontRef idx="minor">
+            <a:schemeClr val="tx1"/>
+          </a:fontRef>
+        </p:style>
+      </p:cxnSp>
+      <p:cxnSp>
+        <p:nvCxnSpPr>
+          <p:cNvPr id="40" name="Straight Arrow Connector 39">
+            <a:extLst>
+              <a:ext uri="{FF2B5EF4-FFF2-40B4-BE49-F238E27FC236}">
+                <a16:creationId xmlns:a16="http://schemas.microsoft.com/office/drawing/2014/main" id="{29CFF281-C566-44DA-912C-FB6535923EE1}"/>
+              </a:ext>
+            </a:extLst>
+          </p:cNvPr>
+          <p:cNvCxnSpPr>
+            <a:cxnSpLocks/>
+          </p:cNvCxnSpPr>
+          <p:nvPr/>
+        </p:nvCxnSpPr>
+        <p:spPr>
+          <a:xfrm flipH="1">
+            <a:off x="7188466" y="4982531"/>
+            <a:ext cx="1625068" cy="709171"/>
+          </a:xfrm>
+          <a:prstGeom prst="straightConnector1">
+            <a:avLst/>
+          </a:prstGeom>
+          <a:ln>
+            <a:tailEnd type="triangle"/>
+          </a:ln>
+        </p:spPr>
+        <p:style>
+          <a:lnRef idx="1">
+            <a:schemeClr val="accent1"/>
+          </a:lnRef>
+          <a:fillRef idx="0">
+            <a:schemeClr val="accent1"/>
+          </a:fillRef>
+          <a:effectRef idx="0">
+            <a:schemeClr val="accent1"/>
+          </a:effectRef>
+          <a:fontRef idx="minor">
+            <a:schemeClr val="tx1"/>
+          </a:fontRef>
+        </p:style>
+      </p:cxnSp>
+      <p:cxnSp>
+        <p:nvCxnSpPr>
+          <p:cNvPr id="44" name="Straight Arrow Connector 43">
+            <a:extLst>
+              <a:ext uri="{FF2B5EF4-FFF2-40B4-BE49-F238E27FC236}">
+                <a16:creationId xmlns:a16="http://schemas.microsoft.com/office/drawing/2014/main" id="{3C22579D-737C-42B7-B8DF-AF307F4DAC2C}"/>
+              </a:ext>
+            </a:extLst>
+          </p:cNvPr>
+          <p:cNvCxnSpPr>
+            <a:cxnSpLocks/>
+          </p:cNvCxnSpPr>
+          <p:nvPr/>
+        </p:nvCxnSpPr>
+        <p:spPr>
+          <a:xfrm flipH="1">
+            <a:off x="6234545" y="5004106"/>
+            <a:ext cx="504628" cy="479238"/>
+          </a:xfrm>
+          <a:prstGeom prst="straightConnector1">
+            <a:avLst/>
+          </a:prstGeom>
+          <a:ln>
+            <a:tailEnd type="triangle"/>
+          </a:ln>
+        </p:spPr>
+        <p:style>
+          <a:lnRef idx="1">
+            <a:schemeClr val="accent1"/>
+          </a:lnRef>
+          <a:fillRef idx="0">
+            <a:schemeClr val="accent1"/>
+          </a:fillRef>
+          <a:effectRef idx="0">
+            <a:schemeClr val="accent1"/>
+          </a:effectRef>
+          <a:fontRef idx="minor">
+            <a:schemeClr val="tx1"/>
+          </a:fontRef>
+        </p:style>
+      </p:cxnSp>
     </p:spTree>
     <p:extLst>
       <p:ext uri="{BB962C8B-B14F-4D97-AF65-F5344CB8AC3E}">
         <p14:creationId xmlns:p14="http://schemas.microsoft.com/office/powerpoint/2010/main" val="3198885170"/>
+      </p:ext>
+    </p:extLst>
+  </p:cSld>
+  <p:clrMapOvr>
+    <a:masterClrMapping/>
+  </p:clrMapOvr>
+</p:sld>
+</file>
+
+<file path=ppt/slides/slide3.xml><?xml version="1.0" encoding="utf-8"?>
+<p:sld xmlns:a="http://schemas.openxmlformats.org/drawingml/2006/main" xmlns:r="http://schemas.openxmlformats.org/officeDocument/2006/relationships" xmlns:p="http://schemas.openxmlformats.org/presentationml/2006/main">
+  <p:cSld>
+    <p:spTree>
+      <p:nvGrpSpPr>
+        <p:cNvPr id="1" name=""/>
+        <p:cNvGrpSpPr/>
+        <p:nvPr/>
+      </p:nvGrpSpPr>
+      <p:grpSpPr>
+        <a:xfrm>
+          <a:off x="0" y="0"/>
+          <a:ext cx="0" cy="0"/>
+          <a:chOff x="0" y="0"/>
+          <a:chExt cx="0" cy="0"/>
+        </a:xfrm>
+      </p:grpSpPr>
+      <p:sp>
+        <p:nvSpPr>
+          <p:cNvPr id="2" name="Title 1">
+            <a:extLst>
+              <a:ext uri="{FF2B5EF4-FFF2-40B4-BE49-F238E27FC236}">
+                <a16:creationId xmlns:a16="http://schemas.microsoft.com/office/drawing/2014/main" id="{3B8C9380-384D-4619-8260-0E600F2020B9}"/>
+              </a:ext>
+            </a:extLst>
+          </p:cNvPr>
+          <p:cNvSpPr>
+            <a:spLocks noGrp="1"/>
+          </p:cNvSpPr>
+          <p:nvPr>
+            <p:ph type="title"/>
+          </p:nvPr>
+        </p:nvSpPr>
+        <p:spPr/>
+        <p:txBody>
+          <a:bodyPr/>
+          <a:lstStyle/>
+          <a:p>
+            <a:r>
+              <a:rPr lang="en-US" dirty="0"/>
+              <a:t>Event Driven</a:t>
+            </a:r>
+          </a:p>
+        </p:txBody>
+      </p:sp>
+      <p:sp>
+        <p:nvSpPr>
+          <p:cNvPr id="3" name="Content Placeholder 2">
+            <a:extLst>
+              <a:ext uri="{FF2B5EF4-FFF2-40B4-BE49-F238E27FC236}">
+                <a16:creationId xmlns:a16="http://schemas.microsoft.com/office/drawing/2014/main" id="{BAD27CCE-ED8F-47D7-A286-40705BECD537}"/>
+              </a:ext>
+            </a:extLst>
+          </p:cNvPr>
+          <p:cNvSpPr>
+            <a:spLocks noGrp="1"/>
+          </p:cNvSpPr>
+          <p:nvPr>
+            <p:ph idx="1"/>
+          </p:nvPr>
+        </p:nvSpPr>
+        <p:spPr/>
+        <p:txBody>
+          <a:bodyPr/>
+          <a:lstStyle/>
+          <a:p>
+            <a:r>
+              <a:rPr lang="en-US" dirty="0"/>
+              <a:t>New Order event</a:t>
+            </a:r>
+          </a:p>
+          <a:p>
+            <a:r>
+              <a:rPr lang="en-US" dirty="0"/>
+              <a:t>Product service </a:t>
+            </a:r>
+          </a:p>
+          <a:p>
+            <a:r>
+              <a:rPr lang="en-US" dirty="0"/>
+              <a:t>Subscribe to the</a:t>
+            </a:r>
+          </a:p>
+          <a:p>
+            <a:r>
+              <a:rPr lang="en-US" dirty="0"/>
+              <a:t>Event</a:t>
+            </a:r>
+          </a:p>
+          <a:p>
+            <a:r>
+              <a:rPr lang="en-US" dirty="0"/>
+              <a:t>Updates inventory</a:t>
+            </a:r>
+          </a:p>
+          <a:p>
+            <a:r>
+              <a:rPr lang="en-US" dirty="0"/>
+              <a:t>Publish event</a:t>
+            </a:r>
+          </a:p>
+          <a:p>
+            <a:r>
+              <a:rPr lang="en-US" dirty="0"/>
+              <a:t>Catalog service </a:t>
+            </a:r>
+          </a:p>
+          <a:p>
+            <a:r>
+              <a:rPr lang="en-US" dirty="0"/>
+              <a:t>Subscribes to the event model</a:t>
+            </a:r>
+          </a:p>
+        </p:txBody>
+      </p:sp>
+      <p:sp>
+        <p:nvSpPr>
+          <p:cNvPr id="4" name="Title 1">
+            <a:extLst>
+              <a:ext uri="{FF2B5EF4-FFF2-40B4-BE49-F238E27FC236}">
+                <a16:creationId xmlns:a16="http://schemas.microsoft.com/office/drawing/2014/main" id="{A07715E0-98B4-4358-AB89-85248AAF302E}"/>
+              </a:ext>
+            </a:extLst>
+          </p:cNvPr>
+          <p:cNvSpPr txBox="1">
+            <a:spLocks/>
+          </p:cNvSpPr>
+          <p:nvPr/>
+        </p:nvSpPr>
+        <p:spPr>
+          <a:xfrm>
+            <a:off x="838200" y="365125"/>
+            <a:ext cx="10515600" cy="1325563"/>
+          </a:xfrm>
+          <a:prstGeom prst="rect">
+            <a:avLst/>
+          </a:prstGeom>
+        </p:spPr>
+        <p:txBody>
+          <a:bodyPr vert="horz" lIns="91440" tIns="45720" rIns="91440" bIns="45720" rtlCol="0" anchor="ctr">
+            <a:normAutofit/>
+          </a:bodyPr>
+          <a:lstStyle>
+            <a:lvl1pPr algn="l" defTabSz="914400" rtl="0" eaLnBrk="1" latinLnBrk="0" hangingPunct="1">
+              <a:lnSpc>
+                <a:spcPct val="90000"/>
+              </a:lnSpc>
+              <a:spcBef>
+                <a:spcPct val="0"/>
+              </a:spcBef>
+              <a:buNone/>
+              <a:defRPr sz="4400" kern="1200">
+                <a:solidFill>
+                  <a:schemeClr val="tx1"/>
+                </a:solidFill>
+                <a:latin typeface="+mj-lt"/>
+                <a:ea typeface="+mj-ea"/>
+                <a:cs typeface="+mj-cs"/>
+              </a:defRPr>
+            </a:lvl1pPr>
+          </a:lstStyle>
+          <a:p>
+            <a:endParaRPr lang="en-US" dirty="0"/>
+          </a:p>
+        </p:txBody>
+      </p:sp>
+      <p:sp>
+        <p:nvSpPr>
+          <p:cNvPr id="17" name="Rectangle 1">
+            <a:extLst>
+              <a:ext uri="{FF2B5EF4-FFF2-40B4-BE49-F238E27FC236}">
+                <a16:creationId xmlns:a16="http://schemas.microsoft.com/office/drawing/2014/main" id="{628C646F-CA7D-4AC8-BB5D-4ADFBB609D4A}"/>
+              </a:ext>
+            </a:extLst>
+          </p:cNvPr>
+          <p:cNvSpPr>
+            <a:spLocks noChangeArrowheads="1"/>
+          </p:cNvSpPr>
+          <p:nvPr/>
+        </p:nvSpPr>
+        <p:spPr bwMode="auto">
+          <a:xfrm>
+            <a:off x="0" y="0"/>
+            <a:ext cx="12192000" cy="457200"/>
+          </a:xfrm>
+          <a:prstGeom prst="rect">
+            <a:avLst/>
+          </a:prstGeom>
+          <a:noFill/>
+          <a:ln>
+            <a:noFill/>
+          </a:ln>
+          <a:effectLst/>
+          <a:extLst>
+            <a:ext uri="{909E8E84-426E-40DD-AFC4-6F175D3DCCD1}">
+              <a14:hiddenFill xmlns:a14="http://schemas.microsoft.com/office/drawing/2010/main">
+                <a:solidFill>
+                  <a:schemeClr val="accent1"/>
+                </a:solidFill>
+              </a14:hiddenFill>
+            </a:ext>
+            <a:ext uri="{91240B29-F687-4F45-9708-019B960494DF}">
+              <a14:hiddenLine xmlns:a14="http://schemas.microsoft.com/office/drawing/2010/main" w="9525">
+                <a:solidFill>
+                  <a:schemeClr val="tx1"/>
+                </a:solidFill>
+                <a:miter lim="800000"/>
+                <a:headEnd/>
+                <a:tailEnd/>
+              </a14:hiddenLine>
+            </a:ext>
+            <a:ext uri="{AF507438-7753-43E0-B8FC-AC1667EBCBE1}">
+              <a14:hiddenEffects xmlns:a14="http://schemas.microsoft.com/office/drawing/2010/main">
+                <a:effectLst>
+                  <a:outerShdw dist="35921" dir="2700000" algn="ctr" rotWithShape="0">
+                    <a:schemeClr val="bg2"/>
+                  </a:outerShdw>
+                </a:effectLst>
+              </a14:hiddenEffects>
+            </a:ext>
+          </a:extLst>
+        </p:spPr>
+        <p:txBody>
+          <a:bodyPr vert="horz" wrap="none" lIns="0" tIns="0" rIns="0" bIns="0" numCol="1" anchor="ctr" anchorCtr="0" compatLnSpc="1">
+            <a:prstTxWarp prst="textNoShape">
+              <a:avLst/>
+            </a:prstTxWarp>
+            <a:spAutoFit/>
+          </a:bodyPr>
+          <a:lstStyle/>
+          <a:p>
+            <a:pPr marL="0" marR="0" lvl="0" indent="0" algn="l" defTabSz="914400" rtl="0" eaLnBrk="0" fontAlgn="base" latinLnBrk="0" hangingPunct="0">
+              <a:lnSpc>
+                <a:spcPct val="100000"/>
+              </a:lnSpc>
+              <a:spcBef>
+                <a:spcPct val="0"/>
+              </a:spcBef>
+              <a:spcAft>
+                <a:spcPct val="0"/>
+              </a:spcAft>
+              <a:buClrTx/>
+              <a:buSzTx/>
+              <a:buFontTx/>
+              <a:buNone/>
+              <a:tabLst/>
+            </a:pPr>
+            <a:r>
+              <a:rPr kumimoji="0" lang="en-US" altLang="en-US" sz="900" b="0" i="0" u="none" strike="noStrike" cap="none" normalizeH="0" baseline="0">
+                <a:ln>
+                  <a:noFill/>
+                </a:ln>
+                <a:solidFill>
+                  <a:srgbClr val="242729"/>
+                </a:solidFill>
+                <a:effectLst/>
+                <a:latin typeface="inherit"/>
+              </a:rPr>
+              <a:t>localhost\\SQLExpress</a:t>
+            </a:r>
+            <a:r>
+              <a:rPr kumimoji="0" lang="en-US" altLang="en-US" sz="800" b="0" i="0" u="none" strike="noStrike" cap="none" normalizeH="0" baseline="0">
+                <a:ln>
+                  <a:noFill/>
+                </a:ln>
+                <a:solidFill>
+                  <a:schemeClr val="tx1"/>
+                </a:solidFill>
+                <a:effectLst/>
+              </a:rPr>
+              <a:t> </a:t>
+            </a:r>
+            <a:endParaRPr kumimoji="0" lang="en-US" altLang="en-US" sz="1800" b="0" i="0" u="none" strike="noStrike" cap="none" normalizeH="0" baseline="0">
+              <a:ln>
+                <a:noFill/>
+              </a:ln>
+              <a:solidFill>
+                <a:schemeClr val="tx1"/>
+              </a:solidFill>
+              <a:effectLst/>
+              <a:latin typeface="Arial" panose="020B0604020202020204" pitchFamily="34" charset="0"/>
+            </a:endParaRPr>
+          </a:p>
+        </p:txBody>
+      </p:sp>
+      <p:sp>
+        <p:nvSpPr>
+          <p:cNvPr id="26" name="Cylinder 25">
+            <a:extLst>
+              <a:ext uri="{FF2B5EF4-FFF2-40B4-BE49-F238E27FC236}">
+                <a16:creationId xmlns:a16="http://schemas.microsoft.com/office/drawing/2014/main" id="{CBC42725-4DD6-4065-B2AA-7E3D6C120DE8}"/>
+              </a:ext>
+            </a:extLst>
+          </p:cNvPr>
+          <p:cNvSpPr/>
+          <p:nvPr/>
+        </p:nvSpPr>
+        <p:spPr>
+          <a:xfrm>
+            <a:off x="8557591" y="1113183"/>
+            <a:ext cx="1093305" cy="4509085"/>
+          </a:xfrm>
+          <a:prstGeom prst="can">
+            <a:avLst/>
+          </a:prstGeom>
+        </p:spPr>
+        <p:style>
+          <a:lnRef idx="2">
+            <a:schemeClr val="accent1">
+              <a:shade val="50000"/>
+            </a:schemeClr>
+          </a:lnRef>
+          <a:fillRef idx="1">
+            <a:schemeClr val="accent1"/>
+          </a:fillRef>
+          <a:effectRef idx="0">
+            <a:schemeClr val="accent1"/>
+          </a:effectRef>
+          <a:fontRef idx="minor">
+            <a:schemeClr val="lt1"/>
+          </a:fontRef>
+        </p:style>
+        <p:txBody>
+          <a:bodyPr rtlCol="0" anchor="ctr"/>
+          <a:lstStyle/>
+          <a:p>
+            <a:pPr algn="ctr"/>
+            <a:r>
+              <a:rPr lang="en-US" dirty="0"/>
+              <a:t>Event </a:t>
+            </a:r>
+          </a:p>
+          <a:p>
+            <a:pPr algn="ctr"/>
+            <a:r>
+              <a:rPr lang="en-US" dirty="0"/>
+              <a:t>Bus</a:t>
+            </a:r>
+          </a:p>
+        </p:txBody>
+      </p:sp>
+      <p:sp>
+        <p:nvSpPr>
+          <p:cNvPr id="27" name="Cloud 26">
+            <a:extLst>
+              <a:ext uri="{FF2B5EF4-FFF2-40B4-BE49-F238E27FC236}">
+                <a16:creationId xmlns:a16="http://schemas.microsoft.com/office/drawing/2014/main" id="{E3D8C1E8-E8C4-4D97-A1B1-7534234569BA}"/>
+              </a:ext>
+            </a:extLst>
+          </p:cNvPr>
+          <p:cNvSpPr/>
+          <p:nvPr/>
+        </p:nvSpPr>
+        <p:spPr>
+          <a:xfrm>
+            <a:off x="4124739" y="1326386"/>
+            <a:ext cx="2315818" cy="830406"/>
+          </a:xfrm>
+          <a:prstGeom prst="cloud">
+            <a:avLst/>
+          </a:prstGeom>
+        </p:spPr>
+        <p:style>
+          <a:lnRef idx="2">
+            <a:schemeClr val="accent1">
+              <a:shade val="50000"/>
+            </a:schemeClr>
+          </a:lnRef>
+          <a:fillRef idx="1">
+            <a:schemeClr val="accent1"/>
+          </a:fillRef>
+          <a:effectRef idx="0">
+            <a:schemeClr val="accent1"/>
+          </a:effectRef>
+          <a:fontRef idx="minor">
+            <a:schemeClr val="lt1"/>
+          </a:fontRef>
+        </p:style>
+        <p:txBody>
+          <a:bodyPr rtlCol="0" anchor="ctr"/>
+          <a:lstStyle/>
+          <a:p>
+            <a:pPr algn="ctr"/>
+            <a:r>
+              <a:rPr lang="en-US" dirty="0"/>
+              <a:t>Order service</a:t>
+            </a:r>
+          </a:p>
+        </p:txBody>
+      </p:sp>
+      <p:sp>
+        <p:nvSpPr>
+          <p:cNvPr id="28" name="Cloud 27">
+            <a:extLst>
+              <a:ext uri="{FF2B5EF4-FFF2-40B4-BE49-F238E27FC236}">
+                <a16:creationId xmlns:a16="http://schemas.microsoft.com/office/drawing/2014/main" id="{E78BFE09-DE1C-46D7-99A3-32883F2DBF6C}"/>
+              </a:ext>
+            </a:extLst>
+          </p:cNvPr>
+          <p:cNvSpPr/>
+          <p:nvPr/>
+        </p:nvSpPr>
+        <p:spPr>
+          <a:xfrm>
+            <a:off x="3782530" y="2559874"/>
+            <a:ext cx="2633870" cy="705678"/>
+          </a:xfrm>
+          <a:prstGeom prst="cloud">
+            <a:avLst/>
+          </a:prstGeom>
+        </p:spPr>
+        <p:style>
+          <a:lnRef idx="2">
+            <a:schemeClr val="accent1">
+              <a:shade val="50000"/>
+            </a:schemeClr>
+          </a:lnRef>
+          <a:fillRef idx="1">
+            <a:schemeClr val="accent1"/>
+          </a:fillRef>
+          <a:effectRef idx="0">
+            <a:schemeClr val="accent1"/>
+          </a:effectRef>
+          <a:fontRef idx="minor">
+            <a:schemeClr val="lt1"/>
+          </a:fontRef>
+        </p:style>
+        <p:txBody>
+          <a:bodyPr rtlCol="0" anchor="ctr"/>
+          <a:lstStyle/>
+          <a:p>
+            <a:pPr algn="ctr"/>
+            <a:r>
+              <a:rPr lang="en-US" dirty="0"/>
+              <a:t>Product Service</a:t>
+            </a:r>
+          </a:p>
+        </p:txBody>
+      </p:sp>
+      <p:cxnSp>
+        <p:nvCxnSpPr>
+          <p:cNvPr id="30" name="Straight Arrow Connector 29" descr="test">
+            <a:extLst>
+              <a:ext uri="{FF2B5EF4-FFF2-40B4-BE49-F238E27FC236}">
+                <a16:creationId xmlns:a16="http://schemas.microsoft.com/office/drawing/2014/main" id="{003C06D8-98C7-4E68-97C2-CC3359699B19}"/>
+              </a:ext>
+            </a:extLst>
+          </p:cNvPr>
+          <p:cNvCxnSpPr/>
+          <p:nvPr/>
+        </p:nvCxnSpPr>
+        <p:spPr>
+          <a:xfrm>
+            <a:off x="1729409" y="1690688"/>
+            <a:ext cx="2395330" cy="0"/>
+          </a:xfrm>
+          <a:prstGeom prst="straightConnector1">
+            <a:avLst/>
+          </a:prstGeom>
+          <a:ln>
+            <a:tailEnd type="triangle"/>
+          </a:ln>
+        </p:spPr>
+        <p:style>
+          <a:lnRef idx="1">
+            <a:schemeClr val="accent1"/>
+          </a:lnRef>
+          <a:fillRef idx="0">
+            <a:schemeClr val="accent1"/>
+          </a:fillRef>
+          <a:effectRef idx="0">
+            <a:schemeClr val="accent1"/>
+          </a:effectRef>
+          <a:fontRef idx="minor">
+            <a:schemeClr val="tx1"/>
+          </a:fontRef>
+        </p:style>
+      </p:cxnSp>
+      <p:cxnSp>
+        <p:nvCxnSpPr>
+          <p:cNvPr id="32" name="Straight Arrow Connector 31">
+            <a:extLst>
+              <a:ext uri="{FF2B5EF4-FFF2-40B4-BE49-F238E27FC236}">
+                <a16:creationId xmlns:a16="http://schemas.microsoft.com/office/drawing/2014/main" id="{34068363-D973-4BE0-9E2E-05A1792FA02D}"/>
+              </a:ext>
+            </a:extLst>
+          </p:cNvPr>
+          <p:cNvCxnSpPr>
+            <a:cxnSpLocks/>
+          </p:cNvCxnSpPr>
+          <p:nvPr/>
+        </p:nvCxnSpPr>
+        <p:spPr>
+          <a:xfrm>
+            <a:off x="6590061" y="1703539"/>
+            <a:ext cx="1967529" cy="31643"/>
+          </a:xfrm>
+          <a:prstGeom prst="straightConnector1">
+            <a:avLst/>
+          </a:prstGeom>
+          <a:ln>
+            <a:tailEnd type="triangle"/>
+          </a:ln>
+        </p:spPr>
+        <p:style>
+          <a:lnRef idx="1">
+            <a:schemeClr val="accent1"/>
+          </a:lnRef>
+          <a:fillRef idx="0">
+            <a:schemeClr val="accent1"/>
+          </a:fillRef>
+          <a:effectRef idx="0">
+            <a:schemeClr val="accent1"/>
+          </a:effectRef>
+          <a:fontRef idx="minor">
+            <a:schemeClr val="tx1"/>
+          </a:fontRef>
+        </p:style>
+      </p:cxnSp>
+      <p:cxnSp>
+        <p:nvCxnSpPr>
+          <p:cNvPr id="34" name="Straight Arrow Connector 33">
+            <a:extLst>
+              <a:ext uri="{FF2B5EF4-FFF2-40B4-BE49-F238E27FC236}">
+                <a16:creationId xmlns:a16="http://schemas.microsoft.com/office/drawing/2014/main" id="{B94E57A4-E7AC-4906-82D2-97857B2EA829}"/>
+              </a:ext>
+            </a:extLst>
+          </p:cNvPr>
+          <p:cNvCxnSpPr>
+            <a:cxnSpLocks/>
+          </p:cNvCxnSpPr>
+          <p:nvPr/>
+        </p:nvCxnSpPr>
+        <p:spPr>
+          <a:xfrm flipH="1">
+            <a:off x="6440557" y="2812026"/>
+            <a:ext cx="2092877" cy="0"/>
+          </a:xfrm>
+          <a:prstGeom prst="straightConnector1">
+            <a:avLst/>
+          </a:prstGeom>
+          <a:ln>
+            <a:tailEnd type="triangle"/>
+          </a:ln>
+        </p:spPr>
+        <p:style>
+          <a:lnRef idx="1">
+            <a:schemeClr val="accent1"/>
+          </a:lnRef>
+          <a:fillRef idx="0">
+            <a:schemeClr val="accent1"/>
+          </a:fillRef>
+          <a:effectRef idx="0">
+            <a:schemeClr val="accent1"/>
+          </a:effectRef>
+          <a:fontRef idx="minor">
+            <a:schemeClr val="tx1"/>
+          </a:fontRef>
+        </p:style>
+      </p:cxnSp>
+      <p:cxnSp>
+        <p:nvCxnSpPr>
+          <p:cNvPr id="40" name="Straight Arrow Connector 39">
+            <a:extLst>
+              <a:ext uri="{FF2B5EF4-FFF2-40B4-BE49-F238E27FC236}">
+                <a16:creationId xmlns:a16="http://schemas.microsoft.com/office/drawing/2014/main" id="{FF7A4F74-E8EE-4DA6-BAF1-253E97006C69}"/>
+              </a:ext>
+            </a:extLst>
+          </p:cNvPr>
+          <p:cNvCxnSpPr/>
+          <p:nvPr/>
+        </p:nvCxnSpPr>
+        <p:spPr>
+          <a:xfrm>
+            <a:off x="6233652" y="3146323"/>
+            <a:ext cx="2299782" cy="0"/>
+          </a:xfrm>
+          <a:prstGeom prst="straightConnector1">
+            <a:avLst/>
+          </a:prstGeom>
+          <a:ln>
+            <a:tailEnd type="triangle"/>
+          </a:ln>
+        </p:spPr>
+        <p:style>
+          <a:lnRef idx="1">
+            <a:schemeClr val="accent1"/>
+          </a:lnRef>
+          <a:fillRef idx="0">
+            <a:schemeClr val="accent1"/>
+          </a:fillRef>
+          <a:effectRef idx="0">
+            <a:schemeClr val="accent1"/>
+          </a:effectRef>
+          <a:fontRef idx="minor">
+            <a:schemeClr val="tx1"/>
+          </a:fontRef>
+        </p:style>
+      </p:cxnSp>
+      <p:cxnSp>
+        <p:nvCxnSpPr>
+          <p:cNvPr id="42" name="Straight Arrow Connector 41">
+            <a:extLst>
+              <a:ext uri="{FF2B5EF4-FFF2-40B4-BE49-F238E27FC236}">
+                <a16:creationId xmlns:a16="http://schemas.microsoft.com/office/drawing/2014/main" id="{598D10B6-60A2-49E5-8964-382072EDEB2A}"/>
+              </a:ext>
+            </a:extLst>
+          </p:cNvPr>
+          <p:cNvCxnSpPr>
+            <a:cxnSpLocks/>
+          </p:cNvCxnSpPr>
+          <p:nvPr/>
+        </p:nvCxnSpPr>
+        <p:spPr>
+          <a:xfrm flipH="1">
+            <a:off x="6854687" y="4216342"/>
+            <a:ext cx="1678747" cy="0"/>
+          </a:xfrm>
+          <a:prstGeom prst="straightConnector1">
+            <a:avLst/>
+          </a:prstGeom>
+          <a:ln>
+            <a:tailEnd type="triangle"/>
+          </a:ln>
+        </p:spPr>
+        <p:style>
+          <a:lnRef idx="1">
+            <a:schemeClr val="accent1"/>
+          </a:lnRef>
+          <a:fillRef idx="0">
+            <a:schemeClr val="accent1"/>
+          </a:fillRef>
+          <a:effectRef idx="0">
+            <a:schemeClr val="accent1"/>
+          </a:effectRef>
+          <a:fontRef idx="minor">
+            <a:schemeClr val="tx1"/>
+          </a:fontRef>
+        </p:style>
+      </p:cxnSp>
+      <p:sp>
+        <p:nvSpPr>
+          <p:cNvPr id="43" name="Cloud 42">
+            <a:extLst>
+              <a:ext uri="{FF2B5EF4-FFF2-40B4-BE49-F238E27FC236}">
+                <a16:creationId xmlns:a16="http://schemas.microsoft.com/office/drawing/2014/main" id="{5BF47124-C4CF-422F-A066-E1A71DE714AD}"/>
+              </a:ext>
+            </a:extLst>
+          </p:cNvPr>
+          <p:cNvSpPr/>
+          <p:nvPr/>
+        </p:nvSpPr>
+        <p:spPr>
+          <a:xfrm>
+            <a:off x="4072688" y="3837764"/>
+            <a:ext cx="2720013" cy="757155"/>
+          </a:xfrm>
+          <a:prstGeom prst="cloud">
+            <a:avLst/>
+          </a:prstGeom>
+        </p:spPr>
+        <p:style>
+          <a:lnRef idx="2">
+            <a:schemeClr val="accent1">
+              <a:shade val="50000"/>
+            </a:schemeClr>
+          </a:lnRef>
+          <a:fillRef idx="1">
+            <a:schemeClr val="accent1"/>
+          </a:fillRef>
+          <a:effectRef idx="0">
+            <a:schemeClr val="accent1"/>
+          </a:effectRef>
+          <a:fontRef idx="minor">
+            <a:schemeClr val="lt1"/>
+          </a:fontRef>
+        </p:style>
+        <p:txBody>
+          <a:bodyPr rtlCol="0" anchor="ctr"/>
+          <a:lstStyle/>
+          <a:p>
+            <a:pPr algn="ctr"/>
+            <a:r>
+              <a:rPr lang="en-US" dirty="0"/>
+              <a:t>Catalog Service</a:t>
+            </a:r>
+          </a:p>
+        </p:txBody>
+      </p:sp>
+    </p:spTree>
+    <p:extLst>
+      <p:ext uri="{BB962C8B-B14F-4D97-AF65-F5344CB8AC3E}">
+        <p14:creationId xmlns:p14="http://schemas.microsoft.com/office/powerpoint/2010/main" val="4236326560"/>
+      </p:ext>
+    </p:extLst>
+  </p:cSld>
+  <p:clrMapOvr>
+    <a:masterClrMapping/>
+  </p:clrMapOvr>
+</p:sld>
+</file>
+
+<file path=ppt/slides/slide4.xml><?xml version="1.0" encoding="utf-8"?>
+<p:sld xmlns:a="http://schemas.openxmlformats.org/drawingml/2006/main" xmlns:r="http://schemas.openxmlformats.org/officeDocument/2006/relationships" xmlns:p="http://schemas.openxmlformats.org/presentationml/2006/main">
+  <p:cSld>
+    <p:spTree>
+      <p:nvGrpSpPr>
+        <p:cNvPr id="1" name=""/>
+        <p:cNvGrpSpPr/>
+        <p:nvPr/>
+      </p:nvGrpSpPr>
+      <p:grpSpPr>
+        <a:xfrm>
+          <a:off x="0" y="0"/>
+          <a:ext cx="0" cy="0"/>
+          <a:chOff x="0" y="0"/>
+          <a:chExt cx="0" cy="0"/>
+        </a:xfrm>
+      </p:grpSpPr>
+      <p:sp>
+        <p:nvSpPr>
+          <p:cNvPr id="2" name="Title 1">
+            <a:extLst>
+              <a:ext uri="{FF2B5EF4-FFF2-40B4-BE49-F238E27FC236}">
+                <a16:creationId xmlns:a16="http://schemas.microsoft.com/office/drawing/2014/main" id="{F83576D3-4C98-47AB-AF82-8CDE4864BC4B}"/>
+              </a:ext>
+            </a:extLst>
+          </p:cNvPr>
+          <p:cNvSpPr>
+            <a:spLocks noGrp="1"/>
+          </p:cNvSpPr>
+          <p:nvPr>
+            <p:ph type="title"/>
+          </p:nvPr>
+        </p:nvSpPr>
+        <p:spPr/>
+        <p:txBody>
+          <a:bodyPr/>
+          <a:lstStyle/>
+          <a:p>
+            <a:r>
+              <a:rPr lang="en-US" dirty="0"/>
+              <a:t>Data Management</a:t>
+            </a:r>
+          </a:p>
+        </p:txBody>
+      </p:sp>
+      <p:sp>
+        <p:nvSpPr>
+          <p:cNvPr id="3" name="Content Placeholder 2">
+            <a:extLst>
+              <a:ext uri="{FF2B5EF4-FFF2-40B4-BE49-F238E27FC236}">
+                <a16:creationId xmlns:a16="http://schemas.microsoft.com/office/drawing/2014/main" id="{A89260DC-799A-42DD-9782-F79F20F78E30}"/>
+              </a:ext>
+            </a:extLst>
+          </p:cNvPr>
+          <p:cNvSpPr>
+            <a:spLocks noGrp="1"/>
+          </p:cNvSpPr>
+          <p:nvPr>
+            <p:ph idx="1"/>
+          </p:nvPr>
+        </p:nvSpPr>
+        <p:spPr/>
+        <p:txBody>
+          <a:bodyPr/>
+          <a:lstStyle/>
+          <a:p>
+            <a:r>
+              <a:rPr lang="en-US" dirty="0"/>
+              <a:t>Looking into Saga Pattern to implement transactions </a:t>
+            </a:r>
+            <a:r>
+              <a:rPr lang="en-US" dirty="0" err="1"/>
+              <a:t>accros</a:t>
+            </a:r>
+            <a:r>
+              <a:rPr lang="en-US"/>
+              <a:t> microservices</a:t>
+            </a:r>
+          </a:p>
+        </p:txBody>
+      </p:sp>
+    </p:spTree>
+    <p:extLst>
+      <p:ext uri="{BB962C8B-B14F-4D97-AF65-F5344CB8AC3E}">
+        <p14:creationId xmlns:p14="http://schemas.microsoft.com/office/powerpoint/2010/main" val="1219225709"/>
       </p:ext>
     </p:extLst>
   </p:cSld>

--- a/Architecture.pptx
+++ b/Architecture.pptx
@@ -127,20 +127,6 @@
 </p:cmAuthorLst>
 </file>
 
-<file path=ppt/comments/comment1.xml><?xml version="1.0" encoding="utf-8"?>
-<p:cmLst xmlns:a="http://schemas.openxmlformats.org/drawingml/2006/main" xmlns:r="http://schemas.openxmlformats.org/officeDocument/2006/relationships" xmlns:p="http://schemas.openxmlformats.org/presentationml/2006/main">
-  <p:cm authorId="1" dt="2020-04-23T18:04:13.418" idx="1">
-    <p:pos x="5391" y="1073"/>
-    <p:text/>
-    <p:extLst>
-      <p:ext uri="{C676402C-5697-4E1C-873F-D02D1690AC5C}">
-        <p15:threadingInfo xmlns:p15="http://schemas.microsoft.com/office/powerpoint/2012/main" timeZoneBias="240"/>
-      </p:ext>
-    </p:extLst>
-  </p:cm>
-</p:cmLst>
-</file>
-
 <file path=ppt/slideLayouts/slideLayout1.xml><?xml version="1.0" encoding="utf-8"?>
 <p:sldLayout xmlns:a="http://schemas.openxmlformats.org/drawingml/2006/main" xmlns:r="http://schemas.openxmlformats.org/officeDocument/2006/relationships" xmlns:p="http://schemas.openxmlformats.org/presentationml/2006/main" type="title" preserve="1">
   <p:cSld name="Title Slide">
@@ -288,7 +274,7 @@
           <a:p>
             <a:fld id="{9702600F-0A3B-40B0-A70E-A76C0DDB9B1E}" type="datetimeFigureOut">
               <a:rPr lang="en-US" smtClean="0"/>
-              <a:t>4/27/2020</a:t>
+              <a:t>5/5/2020</a:t>
             </a:fld>
             <a:endParaRPr lang="en-US"/>
           </a:p>
@@ -486,7 +472,7 @@
           <a:p>
             <a:fld id="{9702600F-0A3B-40B0-A70E-A76C0DDB9B1E}" type="datetimeFigureOut">
               <a:rPr lang="en-US" smtClean="0"/>
-              <a:t>4/27/2020</a:t>
+              <a:t>5/5/2020</a:t>
             </a:fld>
             <a:endParaRPr lang="en-US"/>
           </a:p>
@@ -694,7 +680,7 @@
           <a:p>
             <a:fld id="{9702600F-0A3B-40B0-A70E-A76C0DDB9B1E}" type="datetimeFigureOut">
               <a:rPr lang="en-US" smtClean="0"/>
-              <a:t>4/27/2020</a:t>
+              <a:t>5/5/2020</a:t>
             </a:fld>
             <a:endParaRPr lang="en-US"/>
           </a:p>
@@ -892,7 +878,7 @@
           <a:p>
             <a:fld id="{9702600F-0A3B-40B0-A70E-A76C0DDB9B1E}" type="datetimeFigureOut">
               <a:rPr lang="en-US" smtClean="0"/>
-              <a:t>4/27/2020</a:t>
+              <a:t>5/5/2020</a:t>
             </a:fld>
             <a:endParaRPr lang="en-US"/>
           </a:p>
@@ -1167,7 +1153,7 @@
           <a:p>
             <a:fld id="{9702600F-0A3B-40B0-A70E-A76C0DDB9B1E}" type="datetimeFigureOut">
               <a:rPr lang="en-US" smtClean="0"/>
-              <a:t>4/27/2020</a:t>
+              <a:t>5/5/2020</a:t>
             </a:fld>
             <a:endParaRPr lang="en-US"/>
           </a:p>
@@ -1432,7 +1418,7 @@
           <a:p>
             <a:fld id="{9702600F-0A3B-40B0-A70E-A76C0DDB9B1E}" type="datetimeFigureOut">
               <a:rPr lang="en-US" smtClean="0"/>
-              <a:t>4/27/2020</a:t>
+              <a:t>5/5/2020</a:t>
             </a:fld>
             <a:endParaRPr lang="en-US"/>
           </a:p>
@@ -1844,7 +1830,7 @@
           <a:p>
             <a:fld id="{9702600F-0A3B-40B0-A70E-A76C0DDB9B1E}" type="datetimeFigureOut">
               <a:rPr lang="en-US" smtClean="0"/>
-              <a:t>4/27/2020</a:t>
+              <a:t>5/5/2020</a:t>
             </a:fld>
             <a:endParaRPr lang="en-US"/>
           </a:p>
@@ -1985,7 +1971,7 @@
           <a:p>
             <a:fld id="{9702600F-0A3B-40B0-A70E-A76C0DDB9B1E}" type="datetimeFigureOut">
               <a:rPr lang="en-US" smtClean="0"/>
-              <a:t>4/27/2020</a:t>
+              <a:t>5/5/2020</a:t>
             </a:fld>
             <a:endParaRPr lang="en-US"/>
           </a:p>
@@ -2098,7 +2084,7 @@
           <a:p>
             <a:fld id="{9702600F-0A3B-40B0-A70E-A76C0DDB9B1E}" type="datetimeFigureOut">
               <a:rPr lang="en-US" smtClean="0"/>
-              <a:t>4/27/2020</a:t>
+              <a:t>5/5/2020</a:t>
             </a:fld>
             <a:endParaRPr lang="en-US"/>
           </a:p>
@@ -2409,7 +2395,7 @@
           <a:p>
             <a:fld id="{9702600F-0A3B-40B0-A70E-A76C0DDB9B1E}" type="datetimeFigureOut">
               <a:rPr lang="en-US" smtClean="0"/>
-              <a:t>4/27/2020</a:t>
+              <a:t>5/5/2020</a:t>
             </a:fld>
             <a:endParaRPr lang="en-US"/>
           </a:p>
@@ -2697,7 +2683,7 @@
           <a:p>
             <a:fld id="{9702600F-0A3B-40B0-A70E-A76C0DDB9B1E}" type="datetimeFigureOut">
               <a:rPr lang="en-US" smtClean="0"/>
-              <a:t>4/27/2020</a:t>
+              <a:t>5/5/2020</a:t>
             </a:fld>
             <a:endParaRPr lang="en-US"/>
           </a:p>
@@ -2938,7 +2924,7 @@
           <a:p>
             <a:fld id="{9702600F-0A3B-40B0-A70E-A76C0DDB9B1E}" type="datetimeFigureOut">
               <a:rPr lang="en-US" smtClean="0"/>
-              <a:t>4/27/2020</a:t>
+              <a:t>5/5/2020</a:t>
             </a:fld>
             <a:endParaRPr lang="en-US"/>
           </a:p>
@@ -3548,8 +3534,8 @@
         </p:nvSpPr>
         <p:spPr>
           <a:xfrm>
-            <a:off x="4630882" y="2057400"/>
-            <a:ext cx="1465118" cy="602672"/>
+            <a:off x="4304002" y="2019842"/>
+            <a:ext cx="2381247" cy="416776"/>
           </a:xfrm>
           <a:prstGeom prst="rect">
             <a:avLst/>
@@ -3578,14 +3564,7 @@
             <a:pPr algn="ctr"/>
             <a:r>
               <a:rPr lang="en-US" dirty="0"/>
-              <a:t>Spa</a:t>
-            </a:r>
-          </a:p>
-          <a:p>
-            <a:pPr algn="ctr"/>
-            <a:r>
-              <a:rPr lang="en-US" dirty="0"/>
-              <a:t>Client</a:t>
+              <a:t>Spa  Client</a:t>
             </a:r>
           </a:p>
         </p:txBody>
@@ -3605,7 +3584,7 @@
         <p:spPr>
           <a:xfrm>
             <a:off x="4686300" y="3117273"/>
-            <a:ext cx="1548245" cy="706582"/>
+            <a:ext cx="1548245" cy="551716"/>
           </a:xfrm>
           <a:prstGeom prst="rect">
             <a:avLst/>
@@ -3653,8 +3632,8 @@
         </p:nvSpPr>
         <p:spPr>
           <a:xfrm>
-            <a:off x="5496790" y="4249374"/>
-            <a:ext cx="1797627" cy="696191"/>
+            <a:off x="5355708" y="4135196"/>
+            <a:ext cx="1797627" cy="451512"/>
           </a:xfrm>
           <a:prstGeom prst="rect">
             <a:avLst/>
@@ -3702,8 +3681,8 @@
         </p:nvSpPr>
         <p:spPr>
           <a:xfrm>
-            <a:off x="8638311" y="2019842"/>
-            <a:ext cx="2029691" cy="696191"/>
+            <a:off x="8308396" y="2006356"/>
+            <a:ext cx="2381250" cy="485765"/>
           </a:xfrm>
           <a:prstGeom prst="rect">
             <a:avLst/>
@@ -3751,8 +3730,8 @@
         </p:nvSpPr>
         <p:spPr>
           <a:xfrm>
-            <a:off x="3395230" y="4077205"/>
-            <a:ext cx="1901536" cy="581891"/>
+            <a:off x="3210792" y="4144806"/>
+            <a:ext cx="1901536" cy="441901"/>
           </a:xfrm>
           <a:prstGeom prst="rect">
             <a:avLst/>
@@ -3800,8 +3779,8 @@
         </p:nvSpPr>
         <p:spPr>
           <a:xfrm>
-            <a:off x="1130877" y="4050433"/>
-            <a:ext cx="2029691" cy="581891"/>
+            <a:off x="980268" y="4146878"/>
+            <a:ext cx="2029691" cy="441901"/>
           </a:xfrm>
           <a:prstGeom prst="rect">
             <a:avLst/>
@@ -3851,8 +3830,8 @@
         </p:nvCxnSpPr>
         <p:spPr>
           <a:xfrm>
-            <a:off x="5957456" y="3871733"/>
-            <a:ext cx="0" cy="377641"/>
+            <a:off x="5861204" y="3668989"/>
+            <a:ext cx="0" cy="458511"/>
           </a:xfrm>
           <a:prstGeom prst="straightConnector1">
             <a:avLst/>
@@ -3892,8 +3871,8 @@
         </p:nvCxnSpPr>
         <p:spPr>
           <a:xfrm>
-            <a:off x="5363441" y="2722239"/>
-            <a:ext cx="0" cy="428048"/>
+            <a:off x="5433716" y="2436618"/>
+            <a:ext cx="0" cy="680655"/>
           </a:xfrm>
           <a:prstGeom prst="straightConnector1">
             <a:avLst/>
@@ -3934,8 +3913,8 @@
         </p:nvCxnSpPr>
         <p:spPr>
           <a:xfrm flipH="1">
-            <a:off x="4345998" y="3721932"/>
-            <a:ext cx="284884" cy="355273"/>
+            <a:off x="4161560" y="3547060"/>
+            <a:ext cx="520476" cy="597746"/>
           </a:xfrm>
           <a:prstGeom prst="straightConnector1">
             <a:avLst/>
@@ -3968,13 +3947,15 @@
               </a:ext>
             </a:extLst>
           </p:cNvPr>
-          <p:cNvCxnSpPr/>
+          <p:cNvCxnSpPr>
+            <a:cxnSpLocks/>
+          </p:cNvCxnSpPr>
           <p:nvPr/>
         </p:nvCxnSpPr>
         <p:spPr>
           <a:xfrm flipV="1">
-            <a:off x="6191250" y="2627058"/>
-            <a:ext cx="2483428" cy="820883"/>
+            <a:off x="6254521" y="2499818"/>
+            <a:ext cx="2551630" cy="871346"/>
           </a:xfrm>
           <a:prstGeom prst="straightConnector1">
             <a:avLst/>
@@ -4058,14 +4039,13 @@
           </p:cNvPr>
           <p:cNvCxnSpPr>
             <a:cxnSpLocks/>
-            <a:stCxn id="6" idx="1"/>
           </p:cNvCxnSpPr>
           <p:nvPr/>
         </p:nvCxnSpPr>
         <p:spPr>
           <a:xfrm flipH="1">
-            <a:off x="2305050" y="3470564"/>
-            <a:ext cx="2381250" cy="511535"/>
+            <a:off x="1654321" y="3371164"/>
+            <a:ext cx="2983487" cy="756336"/>
           </a:xfrm>
           <a:prstGeom prst="straightConnector1">
             <a:avLst/>
@@ -4222,8 +4202,8 @@
         </p:nvSpPr>
         <p:spPr>
           <a:xfrm>
-            <a:off x="7655505" y="4249374"/>
-            <a:ext cx="1381986" cy="696190"/>
+            <a:off x="7425169" y="4146261"/>
+            <a:ext cx="1766455" cy="440446"/>
           </a:xfrm>
           <a:prstGeom prst="rect">
             <a:avLst/>
@@ -4307,13 +4287,15 @@
               </a:ext>
             </a:extLst>
           </p:cNvPr>
-          <p:cNvCxnSpPr/>
+          <p:cNvCxnSpPr>
+            <a:cxnSpLocks/>
+          </p:cNvCxnSpPr>
           <p:nvPr/>
         </p:nvCxnSpPr>
         <p:spPr>
           <a:xfrm>
-            <a:off x="6234545" y="3597965"/>
-            <a:ext cx="1766455" cy="651409"/>
+            <a:off x="6234774" y="3672922"/>
+            <a:ext cx="1206653" cy="488046"/>
           </a:xfrm>
           <a:prstGeom prst="straightConnector1">
             <a:avLst/>
@@ -4351,7 +4333,7 @@
         </p:nvCxnSpPr>
         <p:spPr>
           <a:xfrm>
-            <a:off x="1708872" y="4739589"/>
+            <a:off x="1634403" y="4545868"/>
             <a:ext cx="2702070" cy="1135609"/>
           </a:xfrm>
           <a:prstGeom prst="straightConnector1">
@@ -4385,13 +4367,15 @@
               </a:ext>
             </a:extLst>
           </p:cNvPr>
-          <p:cNvCxnSpPr/>
+          <p:cNvCxnSpPr>
+            <a:cxnSpLocks/>
+          </p:cNvCxnSpPr>
           <p:nvPr/>
         </p:nvCxnSpPr>
         <p:spPr>
           <a:xfrm>
-            <a:off x="4104861" y="4739589"/>
-            <a:ext cx="755374" cy="754732"/>
+            <a:off x="4075253" y="4543796"/>
+            <a:ext cx="820743" cy="926765"/>
           </a:xfrm>
           <a:prstGeom prst="straightConnector1">
             <a:avLst/>
@@ -4431,8 +4415,8 @@
         </p:nvCxnSpPr>
         <p:spPr>
           <a:xfrm flipH="1">
-            <a:off x="7188466" y="4982531"/>
-            <a:ext cx="1625068" cy="709171"/>
+            <a:off x="7188466" y="4668408"/>
+            <a:ext cx="1224014" cy="1023294"/>
           </a:xfrm>
           <a:prstGeom prst="straightConnector1">
             <a:avLst/>
@@ -4471,9 +4455,9 @@
           <p:nvPr/>
         </p:nvCxnSpPr>
         <p:spPr>
-          <a:xfrm flipH="1">
-            <a:off x="6234545" y="5004106"/>
-            <a:ext cx="504628" cy="479238"/>
+          <a:xfrm>
+            <a:off x="6330895" y="4610467"/>
+            <a:ext cx="0" cy="883854"/>
           </a:xfrm>
           <a:prstGeom prst="straightConnector1">
             <a:avLst/>
